--- a/slide.pptx
+++ b/slide.pptx
@@ -8,19 +8,23 @@
     <p:sldId id="256" r:id="rId2"/>
     <p:sldId id="257" r:id="rId3"/>
     <p:sldId id="258" r:id="rId4"/>
-    <p:sldId id="270" r:id="rId5"/>
-    <p:sldId id="268" r:id="rId6"/>
-    <p:sldId id="269" r:id="rId7"/>
-    <p:sldId id="271" r:id="rId8"/>
-    <p:sldId id="264" r:id="rId9"/>
-    <p:sldId id="267" r:id="rId10"/>
-    <p:sldId id="259" r:id="rId11"/>
+    <p:sldId id="267" r:id="rId5"/>
+    <p:sldId id="270" r:id="rId6"/>
+    <p:sldId id="268" r:id="rId7"/>
+    <p:sldId id="273" r:id="rId8"/>
+    <p:sldId id="271" r:id="rId9"/>
+    <p:sldId id="274" r:id="rId10"/>
+    <p:sldId id="264" r:id="rId11"/>
     <p:sldId id="265" r:id="rId12"/>
-    <p:sldId id="260" r:id="rId13"/>
-    <p:sldId id="261" r:id="rId14"/>
-    <p:sldId id="262" r:id="rId15"/>
-    <p:sldId id="263" r:id="rId16"/>
-    <p:sldId id="266" r:id="rId17"/>
+    <p:sldId id="272" r:id="rId13"/>
+    <p:sldId id="269" r:id="rId14"/>
+    <p:sldId id="259" r:id="rId15"/>
+    <p:sldId id="275" r:id="rId16"/>
+    <p:sldId id="276" r:id="rId17"/>
+    <p:sldId id="261" r:id="rId18"/>
+    <p:sldId id="262" r:id="rId19"/>
+    <p:sldId id="263" r:id="rId20"/>
+    <p:sldId id="277" r:id="rId21"/>
   </p:sldIdLst>
   <p:sldSz cx="12192000" cy="6858000"/>
   <p:notesSz cx="6858000" cy="9144000"/>
@@ -3416,10 +3420,6 @@
           <a:bodyPr/>
           <a:lstStyle/>
           <a:p>
-            <a:r>
-              <a:rPr lang="en-GB" dirty="0"/>
-              <a:t>Adventures 11/17-01/18</a:t>
-            </a:r>
             <a:endParaRPr lang="en-AU" dirty="0"/>
           </a:p>
         </p:txBody>
@@ -3438,6 +3438,593 @@
 </file>
 
 <file path=ppt/slides/slide10.xml><?xml version="1.0" encoding="utf-8"?>
+<p:sld xmlns:a="http://schemas.openxmlformats.org/drawingml/2006/main" xmlns:r="http://schemas.openxmlformats.org/officeDocument/2006/relationships" xmlns:p="http://schemas.openxmlformats.org/presentationml/2006/main">
+  <p:cSld>
+    <p:spTree>
+      <p:nvGrpSpPr>
+        <p:cNvPr id="1" name=""/>
+        <p:cNvGrpSpPr/>
+        <p:nvPr/>
+      </p:nvGrpSpPr>
+      <p:grpSpPr>
+        <a:xfrm>
+          <a:off x="0" y="0"/>
+          <a:ext cx="0" cy="0"/>
+          <a:chOff x="0" y="0"/>
+          <a:chExt cx="0" cy="0"/>
+        </a:xfrm>
+      </p:grpSpPr>
+      <p:sp>
+        <p:nvSpPr>
+          <p:cNvPr id="2" name="Title 1">
+            <a:extLst>
+              <a:ext uri="{FF2B5EF4-FFF2-40B4-BE49-F238E27FC236}">
+                <a16:creationId xmlns:a16="http://schemas.microsoft.com/office/drawing/2014/main" id="{8999E700-6D66-4371-8BDA-911ED59B555E}"/>
+              </a:ext>
+            </a:extLst>
+          </p:cNvPr>
+          <p:cNvSpPr>
+            <a:spLocks noGrp="1"/>
+          </p:cNvSpPr>
+          <p:nvPr>
+            <p:ph type="title"/>
+          </p:nvPr>
+        </p:nvSpPr>
+        <p:spPr/>
+        <p:txBody>
+          <a:bodyPr/>
+          <a:lstStyle/>
+          <a:p>
+            <a:r>
+              <a:rPr lang="en-AU" dirty="0"/>
+              <a:t>Entities and custom block components</a:t>
+            </a:r>
+          </a:p>
+        </p:txBody>
+      </p:sp>
+      <p:sp>
+        <p:nvSpPr>
+          <p:cNvPr id="3" name="Content Placeholder 2">
+            <a:extLst>
+              <a:ext uri="{FF2B5EF4-FFF2-40B4-BE49-F238E27FC236}">
+                <a16:creationId xmlns:a16="http://schemas.microsoft.com/office/drawing/2014/main" id="{1EDDAE24-2DFC-41AE-B64E-5130A703127A}"/>
+              </a:ext>
+            </a:extLst>
+          </p:cNvPr>
+          <p:cNvSpPr>
+            <a:spLocks noGrp="1"/>
+          </p:cNvSpPr>
+          <p:nvPr>
+            <p:ph idx="1"/>
+          </p:nvPr>
+        </p:nvSpPr>
+        <p:spPr/>
+        <p:txBody>
+          <a:bodyPr>
+            <a:normAutofit/>
+          </a:bodyPr>
+          <a:lstStyle/>
+          <a:p>
+            <a:r>
+              <a:rPr lang="en-AU" dirty="0"/>
+              <a:t>Annotating text ranges with metadata </a:t>
+            </a:r>
+          </a:p>
+          <a:p>
+            <a:r>
+              <a:rPr lang="en-AU" dirty="0"/>
+              <a:t>Rich Text Editing</a:t>
+            </a:r>
+          </a:p>
+          <a:p>
+            <a:r>
+              <a:rPr lang="en-AU" dirty="0"/>
+              <a:t>Autocomplete for Authors, Hashtags, Commands (Slack)</a:t>
+            </a:r>
+          </a:p>
+          <a:p>
+            <a:r>
+              <a:rPr lang="en-AU" dirty="0"/>
+              <a:t>Emoji Rendering</a:t>
+            </a:r>
+          </a:p>
+          <a:p>
+            <a:r>
+              <a:rPr lang="en-AU" dirty="0"/>
+              <a:t>Image Repositioning with Drag &amp; Drop</a:t>
+            </a:r>
+          </a:p>
+          <a:p>
+            <a:r>
+              <a:rPr lang="en-AU" dirty="0"/>
+              <a:t>Image Upload via File Drop</a:t>
+            </a:r>
+          </a:p>
+          <a:p>
+            <a:r>
+              <a:rPr lang="en-GB" dirty="0"/>
+              <a:t>Rich Media</a:t>
+            </a:r>
+            <a:endParaRPr lang="en-AU" dirty="0"/>
+          </a:p>
+          <a:p>
+            <a:r>
+              <a:rPr lang="en-GB" dirty="0"/>
+              <a:t>Regex styling</a:t>
+            </a:r>
+            <a:endParaRPr lang="en-AU" dirty="0"/>
+          </a:p>
+          <a:p>
+            <a:endParaRPr lang="en-AU" dirty="0"/>
+          </a:p>
+        </p:txBody>
+      </p:sp>
+    </p:spTree>
+    <p:extLst>
+      <p:ext uri="{BB962C8B-B14F-4D97-AF65-F5344CB8AC3E}">
+        <p14:creationId xmlns:p14="http://schemas.microsoft.com/office/powerpoint/2010/main" val="2566830597"/>
+      </p:ext>
+    </p:extLst>
+  </p:cSld>
+  <p:clrMapOvr>
+    <a:masterClrMapping/>
+  </p:clrMapOvr>
+</p:sld>
+</file>
+
+<file path=ppt/slides/slide11.xml><?xml version="1.0" encoding="utf-8"?>
+<p:sld xmlns:a="http://schemas.openxmlformats.org/drawingml/2006/main" xmlns:r="http://schemas.openxmlformats.org/officeDocument/2006/relationships" xmlns:p="http://schemas.openxmlformats.org/presentationml/2006/main">
+  <p:cSld>
+    <p:spTree>
+      <p:nvGrpSpPr>
+        <p:cNvPr id="1" name=""/>
+        <p:cNvGrpSpPr/>
+        <p:nvPr/>
+      </p:nvGrpSpPr>
+      <p:grpSpPr>
+        <a:xfrm>
+          <a:off x="0" y="0"/>
+          <a:ext cx="0" cy="0"/>
+          <a:chOff x="0" y="0"/>
+          <a:chExt cx="0" cy="0"/>
+        </a:xfrm>
+      </p:grpSpPr>
+      <p:sp>
+        <p:nvSpPr>
+          <p:cNvPr id="2" name="Title 1">
+            <a:extLst>
+              <a:ext uri="{FF2B5EF4-FFF2-40B4-BE49-F238E27FC236}">
+                <a16:creationId xmlns:a16="http://schemas.microsoft.com/office/drawing/2014/main" id="{C5B455B1-27D4-4168-B482-671927F746CC}"/>
+              </a:ext>
+            </a:extLst>
+          </p:cNvPr>
+          <p:cNvSpPr>
+            <a:spLocks noGrp="1"/>
+          </p:cNvSpPr>
+          <p:nvPr>
+            <p:ph type="title"/>
+          </p:nvPr>
+        </p:nvSpPr>
+        <p:spPr/>
+        <p:txBody>
+          <a:bodyPr/>
+          <a:lstStyle/>
+          <a:p>
+            <a:r>
+              <a:rPr lang="en-GB" dirty="0" err="1"/>
+              <a:t>Tex</a:t>
+            </a:r>
+            <a:endParaRPr lang="en-AU" dirty="0"/>
+          </a:p>
+        </p:txBody>
+      </p:sp>
+      <p:sp>
+        <p:nvSpPr>
+          <p:cNvPr id="3" name="Content Placeholder 2">
+            <a:extLst>
+              <a:ext uri="{FF2B5EF4-FFF2-40B4-BE49-F238E27FC236}">
+                <a16:creationId xmlns:a16="http://schemas.microsoft.com/office/drawing/2014/main" id="{16E7ECD9-98F1-42BE-9B7D-BED13B57C530}"/>
+              </a:ext>
+            </a:extLst>
+          </p:cNvPr>
+          <p:cNvSpPr>
+            <a:spLocks noGrp="1"/>
+          </p:cNvSpPr>
+          <p:nvPr>
+            <p:ph idx="1"/>
+          </p:nvPr>
+        </p:nvSpPr>
+        <p:spPr/>
+        <p:txBody>
+          <a:bodyPr>
+            <a:normAutofit/>
+          </a:bodyPr>
+          <a:lstStyle/>
+          <a:p>
+            <a:r>
+              <a:rPr lang="en-AU" dirty="0">
+                <a:hlinkClick r:id="rId2"/>
+              </a:rPr>
+              <a:t>https://efloti.github.io/draft-js-mathjax-plugin/</a:t>
+            </a:r>
+            <a:endParaRPr lang="en-AU" dirty="0"/>
+          </a:p>
+          <a:p>
+            <a:r>
+              <a:rPr lang="en-AU" dirty="0"/>
+              <a:t>\begin{</a:t>
+            </a:r>
+            <a:r>
+              <a:rPr lang="en-AU" dirty="0" err="1"/>
+              <a:t>eqnarray</a:t>
+            </a:r>
+            <a:r>
+              <a:rPr lang="en-AU" dirty="0"/>
+              <a:t>*}</a:t>
+            </a:r>
+          </a:p>
+          <a:p>
+            <a:r>
+              <a:rPr lang="en-AU" dirty="0"/>
+              <a:t>    \</a:t>
+            </a:r>
+            <a:r>
+              <a:rPr lang="en-AU" dirty="0" err="1"/>
+              <a:t>frac</a:t>
+            </a:r>
+            <a:r>
+              <a:rPr lang="en-AU" dirty="0"/>
+              <a:t>{1}{n}\sin x &amp; = &amp; \</a:t>
+            </a:r>
+            <a:r>
+              <a:rPr lang="en-AU" dirty="0" err="1"/>
+              <a:t>mathrm</a:t>
+            </a:r>
+            <a:r>
+              <a:rPr lang="en-AU" dirty="0"/>
+              <a:t>{?} \\</a:t>
+            </a:r>
+          </a:p>
+          <a:p>
+            <a:r>
+              <a:rPr lang="en-AU" dirty="0"/>
+              <a:t>    \</a:t>
+            </a:r>
+            <a:r>
+              <a:rPr lang="en-AU" dirty="0" err="1"/>
+              <a:t>frac</a:t>
+            </a:r>
+            <a:r>
+              <a:rPr lang="en-AU" dirty="0"/>
+              <a:t>{1}{\cancel{n}} \</a:t>
+            </a:r>
+            <a:r>
+              <a:rPr lang="en-AU" dirty="0" err="1"/>
+              <a:t>mathrm</a:t>
+            </a:r>
+            <a:r>
+              <a:rPr lang="en-AU" dirty="0"/>
+              <a:t>{</a:t>
+            </a:r>
+            <a:r>
+              <a:rPr lang="en-AU" dirty="0" err="1"/>
+              <a:t>si</a:t>
+            </a:r>
+            <a:r>
+              <a:rPr lang="en-AU" dirty="0"/>
+              <a:t>}\cancel{\</a:t>
+            </a:r>
+            <a:r>
+              <a:rPr lang="en-AU" dirty="0" err="1"/>
+              <a:t>mathrm</a:t>
+            </a:r>
+            <a:r>
+              <a:rPr lang="en-AU" dirty="0"/>
+              <a:t>{n}} ~x &amp; = &amp; \</a:t>
+            </a:r>
+            <a:r>
+              <a:rPr lang="en-AU" dirty="0" err="1"/>
+              <a:t>mathrm</a:t>
+            </a:r>
+            <a:r>
+              <a:rPr lang="en-AU" dirty="0"/>
+              <a:t>{?} \\</a:t>
+            </a:r>
+          </a:p>
+          <a:p>
+            <a:r>
+              <a:rPr lang="en-AU" dirty="0"/>
+              <a:t>    \</a:t>
+            </a:r>
+            <a:r>
+              <a:rPr lang="en-AU" dirty="0" err="1"/>
+              <a:t>mathrm</a:t>
+            </a:r>
+            <a:r>
+              <a:rPr lang="en-AU" dirty="0"/>
+              <a:t>{six} &amp; = &amp; 6</a:t>
+            </a:r>
+          </a:p>
+          <a:p>
+            <a:r>
+              <a:rPr lang="en-AU" dirty="0"/>
+              <a:t>\end{</a:t>
+            </a:r>
+            <a:r>
+              <a:rPr lang="en-AU" dirty="0" err="1"/>
+              <a:t>eqnarray</a:t>
+            </a:r>
+            <a:r>
+              <a:rPr lang="en-AU" dirty="0"/>
+              <a:t>*}</a:t>
+            </a:r>
+          </a:p>
+        </p:txBody>
+      </p:sp>
+    </p:spTree>
+    <p:extLst>
+      <p:ext uri="{BB962C8B-B14F-4D97-AF65-F5344CB8AC3E}">
+        <p14:creationId xmlns:p14="http://schemas.microsoft.com/office/powerpoint/2010/main" val="2483481830"/>
+      </p:ext>
+    </p:extLst>
+  </p:cSld>
+  <p:clrMapOvr>
+    <a:masterClrMapping/>
+  </p:clrMapOvr>
+</p:sld>
+</file>
+
+<file path=ppt/slides/slide12.xml><?xml version="1.0" encoding="utf-8"?>
+<p:sld xmlns:a="http://schemas.openxmlformats.org/drawingml/2006/main" xmlns:r="http://schemas.openxmlformats.org/officeDocument/2006/relationships" xmlns:p="http://schemas.openxmlformats.org/presentationml/2006/main">
+  <p:cSld>
+    <p:spTree>
+      <p:nvGrpSpPr>
+        <p:cNvPr id="1" name=""/>
+        <p:cNvGrpSpPr/>
+        <p:nvPr/>
+      </p:nvGrpSpPr>
+      <p:grpSpPr>
+        <a:xfrm>
+          <a:off x="0" y="0"/>
+          <a:ext cx="0" cy="0"/>
+          <a:chOff x="0" y="0"/>
+          <a:chExt cx="0" cy="0"/>
+        </a:xfrm>
+      </p:grpSpPr>
+      <p:sp>
+        <p:nvSpPr>
+          <p:cNvPr id="2" name="Title 1">
+            <a:extLst>
+              <a:ext uri="{FF2B5EF4-FFF2-40B4-BE49-F238E27FC236}">
+                <a16:creationId xmlns:a16="http://schemas.microsoft.com/office/drawing/2014/main" id="{89B6CB60-A335-4A6D-9CD2-C895E03C52D2}"/>
+              </a:ext>
+            </a:extLst>
+          </p:cNvPr>
+          <p:cNvSpPr>
+            <a:spLocks noGrp="1"/>
+          </p:cNvSpPr>
+          <p:nvPr>
+            <p:ph type="title"/>
+          </p:nvPr>
+        </p:nvSpPr>
+        <p:spPr/>
+        <p:txBody>
+          <a:bodyPr/>
+          <a:lstStyle/>
+          <a:p>
+            <a:r>
+              <a:rPr lang="en-AU" dirty="0"/>
+              <a:t>Decorators</a:t>
+            </a:r>
+          </a:p>
+        </p:txBody>
+      </p:sp>
+      <p:sp>
+        <p:nvSpPr>
+          <p:cNvPr id="3" name="Content Placeholder 2">
+            <a:extLst>
+              <a:ext uri="{FF2B5EF4-FFF2-40B4-BE49-F238E27FC236}">
+                <a16:creationId xmlns:a16="http://schemas.microsoft.com/office/drawing/2014/main" id="{99A504F1-7C3A-4D88-9783-6389C88F8D54}"/>
+              </a:ext>
+            </a:extLst>
+          </p:cNvPr>
+          <p:cNvSpPr>
+            <a:spLocks noGrp="1"/>
+          </p:cNvSpPr>
+          <p:nvPr>
+            <p:ph idx="1"/>
+          </p:nvPr>
+        </p:nvSpPr>
+        <p:spPr/>
+        <p:txBody>
+          <a:bodyPr/>
+          <a:lstStyle/>
+          <a:p>
+            <a:r>
+              <a:rPr lang="en-AU" dirty="0"/>
+              <a:t>Strategy</a:t>
+            </a:r>
+          </a:p>
+          <a:p>
+            <a:r>
+              <a:rPr lang="en-AU" dirty="0"/>
+              <a:t>Component</a:t>
+            </a:r>
+          </a:p>
+          <a:p>
+            <a:r>
+              <a:rPr lang="en-AU" dirty="0"/>
+              <a:t>Composite</a:t>
+            </a:r>
+          </a:p>
+        </p:txBody>
+      </p:sp>
+    </p:spTree>
+    <p:extLst>
+      <p:ext uri="{BB962C8B-B14F-4D97-AF65-F5344CB8AC3E}">
+        <p14:creationId xmlns:p14="http://schemas.microsoft.com/office/powerpoint/2010/main" val="3312375171"/>
+      </p:ext>
+    </p:extLst>
+  </p:cSld>
+  <p:clrMapOvr>
+    <a:masterClrMapping/>
+  </p:clrMapOvr>
+</p:sld>
+</file>
+
+<file path=ppt/slides/slide13.xml><?xml version="1.0" encoding="utf-8"?>
+<p:sld xmlns:a="http://schemas.openxmlformats.org/drawingml/2006/main" xmlns:r="http://schemas.openxmlformats.org/officeDocument/2006/relationships" xmlns:p="http://schemas.openxmlformats.org/presentationml/2006/main">
+  <p:cSld>
+    <p:spTree>
+      <p:nvGrpSpPr>
+        <p:cNvPr id="1" name=""/>
+        <p:cNvGrpSpPr/>
+        <p:nvPr/>
+      </p:nvGrpSpPr>
+      <p:grpSpPr>
+        <a:xfrm>
+          <a:off x="0" y="0"/>
+          <a:ext cx="0" cy="0"/>
+          <a:chOff x="0" y="0"/>
+          <a:chExt cx="0" cy="0"/>
+        </a:xfrm>
+      </p:grpSpPr>
+      <p:sp>
+        <p:nvSpPr>
+          <p:cNvPr id="2" name="Title 1">
+            <a:extLst>
+              <a:ext uri="{FF2B5EF4-FFF2-40B4-BE49-F238E27FC236}">
+                <a16:creationId xmlns:a16="http://schemas.microsoft.com/office/drawing/2014/main" id="{7729F6E9-A11B-4534-A5AB-DF2EF7402DFD}"/>
+              </a:ext>
+            </a:extLst>
+          </p:cNvPr>
+          <p:cNvSpPr>
+            <a:spLocks noGrp="1"/>
+          </p:cNvSpPr>
+          <p:nvPr>
+            <p:ph type="title"/>
+          </p:nvPr>
+        </p:nvSpPr>
+        <p:spPr/>
+        <p:txBody>
+          <a:bodyPr/>
+          <a:lstStyle/>
+          <a:p>
+            <a:r>
+              <a:rPr lang="en-AU" dirty="0"/>
+              <a:t>Editor Props</a:t>
+            </a:r>
+          </a:p>
+        </p:txBody>
+      </p:sp>
+      <p:sp>
+        <p:nvSpPr>
+          <p:cNvPr id="3" name="Content Placeholder 2">
+            <a:extLst>
+              <a:ext uri="{FF2B5EF4-FFF2-40B4-BE49-F238E27FC236}">
+                <a16:creationId xmlns:a16="http://schemas.microsoft.com/office/drawing/2014/main" id="{F8F2711C-7050-43AC-8009-4A87E39673D0}"/>
+              </a:ext>
+            </a:extLst>
+          </p:cNvPr>
+          <p:cNvSpPr>
+            <a:spLocks noGrp="1"/>
+          </p:cNvSpPr>
+          <p:nvPr>
+            <p:ph idx="1"/>
+          </p:nvPr>
+        </p:nvSpPr>
+        <p:spPr/>
+        <p:txBody>
+          <a:bodyPr>
+            <a:normAutofit/>
+          </a:bodyPr>
+          <a:lstStyle/>
+          <a:p>
+            <a:r>
+              <a:rPr lang="en-AU" sz="3600" dirty="0" err="1"/>
+              <a:t>blockRenderMap</a:t>
+            </a:r>
+            <a:r>
+              <a:rPr lang="en-AU" sz="3600" dirty="0"/>
+              <a:t> (block type &gt; html tag)</a:t>
+            </a:r>
+          </a:p>
+          <a:p>
+            <a:r>
+              <a:rPr lang="en-AU" sz="3600" dirty="0" err="1"/>
+              <a:t>blockRendererFn</a:t>
+            </a:r>
+            <a:r>
+              <a:rPr lang="en-AU" sz="3600" dirty="0"/>
+              <a:t> (render custom block: emoji, </a:t>
+            </a:r>
+            <a:r>
+              <a:rPr lang="en-AU" sz="3600" dirty="0" err="1"/>
+              <a:t>tex</a:t>
+            </a:r>
+            <a:r>
+              <a:rPr lang="en-AU" sz="3600" dirty="0"/>
+              <a:t>, </a:t>
+            </a:r>
+            <a:r>
+              <a:rPr lang="en-AU" sz="3600" dirty="0" err="1"/>
+              <a:t>youtube</a:t>
+            </a:r>
+            <a:r>
+              <a:rPr lang="en-AU" sz="3600" dirty="0"/>
+              <a:t>)</a:t>
+            </a:r>
+          </a:p>
+          <a:p>
+            <a:r>
+              <a:rPr lang="en-AU" sz="3600" dirty="0" err="1"/>
+              <a:t>blockStyleFn</a:t>
+            </a:r>
+            <a:r>
+              <a:rPr lang="en-AU" sz="3600" dirty="0"/>
+              <a:t> (apply </a:t>
+            </a:r>
+            <a:r>
+              <a:rPr lang="en-AU" sz="3600" dirty="0" err="1"/>
+              <a:t>className</a:t>
+            </a:r>
+            <a:r>
+              <a:rPr lang="en-AU" sz="3600" dirty="0"/>
+              <a:t> to a block)</a:t>
+            </a:r>
+          </a:p>
+          <a:p>
+            <a:r>
+              <a:rPr lang="en-AU" sz="3600" dirty="0"/>
+              <a:t>Decorators (wrap text with a Component)</a:t>
+            </a:r>
+          </a:p>
+          <a:p>
+            <a:r>
+              <a:rPr lang="en-AU" sz="3600" dirty="0" err="1"/>
+              <a:t>customStyleMap</a:t>
+            </a:r>
+            <a:r>
+              <a:rPr lang="en-AU" sz="3600" dirty="0"/>
+              <a:t> (type &gt; style</a:t>
+            </a:r>
+          </a:p>
+        </p:txBody>
+      </p:sp>
+    </p:spTree>
+    <p:extLst>
+      <p:ext uri="{BB962C8B-B14F-4D97-AF65-F5344CB8AC3E}">
+        <p14:creationId xmlns:p14="http://schemas.microsoft.com/office/powerpoint/2010/main" val="707249671"/>
+      </p:ext>
+    </p:extLst>
+  </p:cSld>
+  <p:clrMapOvr>
+    <a:masterClrMapping/>
+  </p:clrMapOvr>
+</p:sld>
+</file>
+
+<file path=ppt/slides/slide14.xml><?xml version="1.0" encoding="utf-8"?>
 <p:sld xmlns:a="http://schemas.openxmlformats.org/drawingml/2006/main" xmlns:r="http://schemas.openxmlformats.org/officeDocument/2006/relationships" xmlns:p="http://schemas.openxmlformats.org/presentationml/2006/main">
   <p:cSld>
     <p:spTree>
@@ -3594,7 +4181,7 @@
 </p:sld>
 </file>
 
-<file path=ppt/slides/slide11.xml><?xml version="1.0" encoding="utf-8"?>
+<file path=ppt/slides/slide15.xml><?xml version="1.0" encoding="utf-8"?>
 <p:sld xmlns:a="http://schemas.openxmlformats.org/drawingml/2006/main" xmlns:r="http://schemas.openxmlformats.org/officeDocument/2006/relationships" xmlns:p="http://schemas.openxmlformats.org/presentationml/2006/main">
   <p:cSld>
     <p:spTree>
@@ -3616,7 +4203,7 @@
           <p:cNvPr id="2" name="Title 1">
             <a:extLst>
               <a:ext uri="{FF2B5EF4-FFF2-40B4-BE49-F238E27FC236}">
-                <a16:creationId xmlns:a16="http://schemas.microsoft.com/office/drawing/2014/main" id="{C5B455B1-27D4-4168-B482-671927F746CC}"/>
+                <a16:creationId xmlns:a16="http://schemas.microsoft.com/office/drawing/2014/main" id="{89B6CB60-A335-4A6D-9CD2-C895E03C52D2}"/>
               </a:ext>
             </a:extLst>
           </p:cNvPr>
@@ -3633,160 +4220,45 @@
           <a:lstStyle/>
           <a:p>
             <a:r>
+              <a:rPr lang="en-AU" dirty="0"/>
+              <a:t>More Decorators</a:t>
+            </a:r>
+          </a:p>
+        </p:txBody>
+      </p:sp>
+      <p:sp>
+        <p:nvSpPr>
+          <p:cNvPr id="3" name="Content Placeholder 2">
+            <a:extLst>
+              <a:ext uri="{FF2B5EF4-FFF2-40B4-BE49-F238E27FC236}">
+                <a16:creationId xmlns:a16="http://schemas.microsoft.com/office/drawing/2014/main" id="{99A504F1-7C3A-4D88-9783-6389C88F8D54}"/>
+              </a:ext>
+            </a:extLst>
+          </p:cNvPr>
+          <p:cNvSpPr>
+            <a:spLocks noGrp="1"/>
+          </p:cNvSpPr>
+          <p:nvPr>
+            <p:ph idx="1"/>
+          </p:nvPr>
+        </p:nvSpPr>
+        <p:spPr/>
+        <p:txBody>
+          <a:bodyPr/>
+          <a:lstStyle/>
+          <a:p>
+            <a:r>
               <a:rPr lang="en-GB" dirty="0"/>
-              <a:t>Demo</a:t>
+              <a:t>Hash tag</a:t>
             </a:r>
             <a:endParaRPr lang="en-AU" dirty="0"/>
-          </a:p>
-        </p:txBody>
-      </p:sp>
-      <p:sp>
-        <p:nvSpPr>
-          <p:cNvPr id="3" name="Content Placeholder 2">
-            <a:extLst>
-              <a:ext uri="{FF2B5EF4-FFF2-40B4-BE49-F238E27FC236}">
-                <a16:creationId xmlns:a16="http://schemas.microsoft.com/office/drawing/2014/main" id="{16E7ECD9-98F1-42BE-9B7D-BED13B57C530}"/>
-              </a:ext>
-            </a:extLst>
-          </p:cNvPr>
-          <p:cNvSpPr>
-            <a:spLocks noGrp="1"/>
-          </p:cNvSpPr>
-          <p:nvPr>
-            <p:ph idx="1"/>
-          </p:nvPr>
-        </p:nvSpPr>
-        <p:spPr/>
-        <p:txBody>
-          <a:bodyPr>
-            <a:normAutofit/>
-          </a:bodyPr>
-          <a:lstStyle/>
-          <a:p>
-            <a:r>
-              <a:rPr lang="en-AU" dirty="0">
-                <a:hlinkClick r:id="rId2"/>
-              </a:rPr>
-              <a:t>https://efloti.github.io/draft-js-mathjax-plugin/</a:t>
-            </a:r>
-            <a:endParaRPr lang="en-AU" dirty="0"/>
-          </a:p>
-          <a:p>
-            <a:r>
-              <a:rPr lang="en-AU" dirty="0"/>
-              <a:t>\begin{</a:t>
-            </a:r>
-            <a:r>
-              <a:rPr lang="en-AU" dirty="0" err="1"/>
-              <a:t>eqnarray</a:t>
-            </a:r>
-            <a:r>
-              <a:rPr lang="en-AU" dirty="0"/>
-              <a:t>*}</a:t>
-            </a:r>
-          </a:p>
-          <a:p>
-            <a:r>
-              <a:rPr lang="en-AU" dirty="0"/>
-              <a:t>    \</a:t>
-            </a:r>
-            <a:r>
-              <a:rPr lang="en-AU" dirty="0" err="1"/>
-              <a:t>frac</a:t>
-            </a:r>
-            <a:r>
-              <a:rPr lang="en-AU" dirty="0"/>
-              <a:t>{1}{n}\sin x &amp; = &amp; \</a:t>
-            </a:r>
-            <a:r>
-              <a:rPr lang="en-AU" dirty="0" err="1"/>
-              <a:t>mathrm</a:t>
-            </a:r>
-            <a:r>
-              <a:rPr lang="en-AU" dirty="0"/>
-              <a:t>{?} \\</a:t>
-            </a:r>
-          </a:p>
-          <a:p>
-            <a:r>
-              <a:rPr lang="en-AU" dirty="0"/>
-              <a:t>    \</a:t>
-            </a:r>
-            <a:r>
-              <a:rPr lang="en-AU" dirty="0" err="1"/>
-              <a:t>frac</a:t>
-            </a:r>
-            <a:r>
-              <a:rPr lang="en-AU" dirty="0"/>
-              <a:t>{1}{\cancel{n}} \</a:t>
-            </a:r>
-            <a:r>
-              <a:rPr lang="en-AU" dirty="0" err="1"/>
-              <a:t>mathrm</a:t>
-            </a:r>
-            <a:r>
-              <a:rPr lang="en-AU" dirty="0"/>
-              <a:t>{</a:t>
-            </a:r>
-            <a:r>
-              <a:rPr lang="en-AU" dirty="0" err="1"/>
-              <a:t>si</a:t>
-            </a:r>
-            <a:r>
-              <a:rPr lang="en-AU" dirty="0"/>
-              <a:t>}\cancel{\</a:t>
-            </a:r>
-            <a:r>
-              <a:rPr lang="en-AU" dirty="0" err="1"/>
-              <a:t>mathrm</a:t>
-            </a:r>
-            <a:r>
-              <a:rPr lang="en-AU" dirty="0"/>
-              <a:t>{n}} ~x &amp; = &amp; \</a:t>
-            </a:r>
-            <a:r>
-              <a:rPr lang="en-AU" dirty="0" err="1"/>
-              <a:t>mathrm</a:t>
-            </a:r>
-            <a:r>
-              <a:rPr lang="en-AU" dirty="0"/>
-              <a:t>{?} \\</a:t>
-            </a:r>
-          </a:p>
-          <a:p>
-            <a:r>
-              <a:rPr lang="en-AU" dirty="0"/>
-              <a:t>    \</a:t>
-            </a:r>
-            <a:r>
-              <a:rPr lang="en-AU" dirty="0" err="1"/>
-              <a:t>mathrm</a:t>
-            </a:r>
-            <a:r>
-              <a:rPr lang="en-AU" dirty="0"/>
-              <a:t>{six} &amp; = &amp; 6</a:t>
-            </a:r>
-          </a:p>
-          <a:p>
-            <a:r>
-              <a:rPr lang="en-AU" dirty="0"/>
-              <a:t>\end{</a:t>
-            </a:r>
-            <a:r>
-              <a:rPr lang="en-AU" dirty="0" err="1"/>
-              <a:t>eqnarray</a:t>
-            </a:r>
-            <a:r>
-              <a:rPr lang="en-AU" dirty="0"/>
-              <a:t>*}</a:t>
-            </a:r>
           </a:p>
         </p:txBody>
       </p:sp>
     </p:spTree>
     <p:extLst>
       <p:ext uri="{BB962C8B-B14F-4D97-AF65-F5344CB8AC3E}">
-        <p14:creationId xmlns:p14="http://schemas.microsoft.com/office/powerpoint/2010/main" val="2483481830"/>
+        <p14:creationId xmlns:p14="http://schemas.microsoft.com/office/powerpoint/2010/main" val="3014759252"/>
       </p:ext>
     </p:extLst>
   </p:cSld>
@@ -3796,7 +4268,7 @@
 </p:sld>
 </file>
 
-<file path=ppt/slides/slide12.xml><?xml version="1.0" encoding="utf-8"?>
+<file path=ppt/slides/slide16.xml><?xml version="1.0" encoding="utf-8"?>
 <p:sld xmlns:a="http://schemas.openxmlformats.org/drawingml/2006/main" xmlns:r="http://schemas.openxmlformats.org/officeDocument/2006/relationships" xmlns:p="http://schemas.openxmlformats.org/presentationml/2006/main">
   <p:cSld>
     <p:spTree>
@@ -3818,7 +4290,7 @@
           <p:cNvPr id="2" name="Title 1">
             <a:extLst>
               <a:ext uri="{FF2B5EF4-FFF2-40B4-BE49-F238E27FC236}">
-                <a16:creationId xmlns:a16="http://schemas.microsoft.com/office/drawing/2014/main" id="{B8596826-E402-4750-841D-2E6D94B1F79C}"/>
+                <a16:creationId xmlns:a16="http://schemas.microsoft.com/office/drawing/2014/main" id="{F1182038-56F4-428E-BC3E-13AA4D9BCBB4}"/>
               </a:ext>
             </a:extLst>
           </p:cNvPr>
@@ -3836,7 +4308,7 @@
           <a:p>
             <a:r>
               <a:rPr lang="en-GB" dirty="0"/>
-              <a:t>Decorators</a:t>
+              <a:t>Even more decorators</a:t>
             </a:r>
             <a:endParaRPr lang="en-AU" dirty="0"/>
           </a:p>
@@ -3847,7 +4319,7 @@
           <p:cNvPr id="3" name="Content Placeholder 2">
             <a:extLst>
               <a:ext uri="{FF2B5EF4-FFF2-40B4-BE49-F238E27FC236}">
-                <a16:creationId xmlns:a16="http://schemas.microsoft.com/office/drawing/2014/main" id="{B3247ACE-EECC-4E8D-9A1F-3A9823619AE6}"/>
+                <a16:creationId xmlns:a16="http://schemas.microsoft.com/office/drawing/2014/main" id="{81F4CB43-1172-4851-956D-97849C880F09}"/>
               </a:ext>
             </a:extLst>
           </p:cNvPr>
@@ -3863,14 +4335,17 @@
           <a:bodyPr/>
           <a:lstStyle/>
           <a:p>
-            <a:endParaRPr lang="en-AU"/>
+            <a:r>
+              <a:rPr lang="en-AU" dirty="0"/>
+              <a:t>https://github.com/Mair/react-meetup-draftjs</a:t>
+            </a:r>
           </a:p>
         </p:txBody>
       </p:sp>
     </p:spTree>
     <p:extLst>
       <p:ext uri="{BB962C8B-B14F-4D97-AF65-F5344CB8AC3E}">
-        <p14:creationId xmlns:p14="http://schemas.microsoft.com/office/powerpoint/2010/main" val="1941032064"/>
+        <p14:creationId xmlns:p14="http://schemas.microsoft.com/office/powerpoint/2010/main" val="1204906318"/>
       </p:ext>
     </p:extLst>
   </p:cSld>
@@ -3880,7 +4355,7 @@
 </p:sld>
 </file>
 
-<file path=ppt/slides/slide13.xml><?xml version="1.0" encoding="utf-8"?>
+<file path=ppt/slides/slide17.xml><?xml version="1.0" encoding="utf-8"?>
 <p:sld xmlns:a="http://schemas.openxmlformats.org/drawingml/2006/main" xmlns:r="http://schemas.openxmlformats.org/officeDocument/2006/relationships" xmlns:p="http://schemas.openxmlformats.org/presentationml/2006/main">
   <p:cSld>
     <p:spTree>
@@ -3968,7 +4443,28 @@
           </a:p>
           <a:p>
             <a:pPr lvl="1"/>
+            <a:r>
+              <a:rPr lang="en-GB" dirty="0"/>
+              <a:t>Cloud collaboration note taker that integrates with Salesforce</a:t>
+            </a:r>
+          </a:p>
+          <a:p>
             <a:endParaRPr lang="en-GB" dirty="0"/>
+          </a:p>
+          <a:p>
+            <a:r>
+              <a:rPr lang="en-GB" dirty="0">
+                <a:hlinkClick r:id="rId3"/>
+              </a:rPr>
+              <a:t>https://github.com/nikgraf/awesome-draft-js</a:t>
+            </a:r>
+            <a:endParaRPr lang="en-GB" dirty="0"/>
+          </a:p>
+          <a:p>
+            <a:r>
+              <a:rPr lang="en-GB" dirty="0"/>
+              <a:t>https://read.douban.com/editor_ng</a:t>
+            </a:r>
           </a:p>
           <a:p>
             <a:pPr marL="0" indent="0">
@@ -3991,7 +4487,7 @@
 </p:sld>
 </file>
 
-<file path=ppt/slides/slide14.xml><?xml version="1.0" encoding="utf-8"?>
+<file path=ppt/slides/slide18.xml><?xml version="1.0" encoding="utf-8"?>
 <p:sld xmlns:a="http://schemas.openxmlformats.org/drawingml/2006/main" xmlns:r="http://schemas.openxmlformats.org/officeDocument/2006/relationships" xmlns:p="http://schemas.openxmlformats.org/presentationml/2006/main">
   <p:cSld>
     <p:spTree>
@@ -4089,7 +4585,7 @@
 </p:sld>
 </file>
 
-<file path=ppt/slides/slide15.xml><?xml version="1.0" encoding="utf-8"?>
+<file path=ppt/slides/slide19.xml><?xml version="1.0" encoding="utf-8"?>
 <p:sld xmlns:a="http://schemas.openxmlformats.org/drawingml/2006/main" xmlns:r="http://schemas.openxmlformats.org/officeDocument/2006/relationships" xmlns:p="http://schemas.openxmlformats.org/presentationml/2006/main">
   <p:cSld>
     <p:spTree>
@@ -4197,93 +4693,6 @@
 </p:sld>
 </file>
 
-<file path=ppt/slides/slide16.xml><?xml version="1.0" encoding="utf-8"?>
-<p:sld xmlns:a="http://schemas.openxmlformats.org/drawingml/2006/main" xmlns:r="http://schemas.openxmlformats.org/officeDocument/2006/relationships" xmlns:p="http://schemas.openxmlformats.org/presentationml/2006/main">
-  <p:cSld>
-    <p:spTree>
-      <p:nvGrpSpPr>
-        <p:cNvPr id="1" name=""/>
-        <p:cNvGrpSpPr/>
-        <p:nvPr/>
-      </p:nvGrpSpPr>
-      <p:grpSpPr>
-        <a:xfrm>
-          <a:off x="0" y="0"/>
-          <a:ext cx="0" cy="0"/>
-          <a:chOff x="0" y="0"/>
-          <a:chExt cx="0" cy="0"/>
-        </a:xfrm>
-      </p:grpSpPr>
-      <p:sp>
-        <p:nvSpPr>
-          <p:cNvPr id="2" name="Title 1">
-            <a:extLst>
-              <a:ext uri="{FF2B5EF4-FFF2-40B4-BE49-F238E27FC236}">
-                <a16:creationId xmlns:a16="http://schemas.microsoft.com/office/drawing/2014/main" id="{76939099-4430-4850-AB1D-31947D39B2C9}"/>
-              </a:ext>
-            </a:extLst>
-          </p:cNvPr>
-          <p:cNvSpPr>
-            <a:spLocks noGrp="1"/>
-          </p:cNvSpPr>
-          <p:nvPr>
-            <p:ph type="title"/>
-          </p:nvPr>
-        </p:nvSpPr>
-        <p:spPr/>
-        <p:txBody>
-          <a:bodyPr/>
-          <a:lstStyle/>
-          <a:p>
-            <a:r>
-              <a:rPr lang="en-GB" dirty="0"/>
-              <a:t>Interested?</a:t>
-            </a:r>
-            <a:endParaRPr lang="en-AU" dirty="0"/>
-          </a:p>
-        </p:txBody>
-      </p:sp>
-      <p:sp>
-        <p:nvSpPr>
-          <p:cNvPr id="3" name="Content Placeholder 2">
-            <a:extLst>
-              <a:ext uri="{FF2B5EF4-FFF2-40B4-BE49-F238E27FC236}">
-                <a16:creationId xmlns:a16="http://schemas.microsoft.com/office/drawing/2014/main" id="{232C1084-F433-4648-A631-F99B9BC4C44B}"/>
-              </a:ext>
-            </a:extLst>
-          </p:cNvPr>
-          <p:cNvSpPr>
-            <a:spLocks noGrp="1"/>
-          </p:cNvSpPr>
-          <p:nvPr>
-            <p:ph idx="1"/>
-          </p:nvPr>
-        </p:nvSpPr>
-        <p:spPr/>
-        <p:txBody>
-          <a:bodyPr/>
-          <a:lstStyle/>
-          <a:p>
-            <a:r>
-              <a:rPr lang="en-AU" dirty="0"/>
-              <a:t>https://bigbitecreative.com/building-editor-draft-js-react/</a:t>
-            </a:r>
-          </a:p>
-        </p:txBody>
-      </p:sp>
-    </p:spTree>
-    <p:extLst>
-      <p:ext uri="{BB962C8B-B14F-4D97-AF65-F5344CB8AC3E}">
-        <p14:creationId xmlns:p14="http://schemas.microsoft.com/office/powerpoint/2010/main" val="4100517085"/>
-      </p:ext>
-    </p:extLst>
-  </p:cSld>
-  <p:clrMapOvr>
-    <a:masterClrMapping/>
-  </p:clrMapOvr>
-</p:sld>
-</file>
-
 <file path=ppt/slides/slide2.xml><?xml version="1.0" encoding="utf-8"?>
 <p:sld xmlns:a="http://schemas.openxmlformats.org/drawingml/2006/main" xmlns:r="http://schemas.openxmlformats.org/officeDocument/2006/relationships" xmlns:p="http://schemas.openxmlformats.org/presentationml/2006/main">
   <p:cSld>
@@ -4407,7 +4816,7 @@
         </p:blipFill>
         <p:spPr>
           <a:xfrm>
-            <a:off x="6513030" y="4540250"/>
+            <a:off x="6497790" y="849312"/>
             <a:ext cx="5314950" cy="1952625"/>
           </a:xfrm>
           <a:prstGeom prst="rect">
@@ -4419,6 +4828,93 @@
     <p:extLst>
       <p:ext uri="{BB962C8B-B14F-4D97-AF65-F5344CB8AC3E}">
         <p14:creationId xmlns:p14="http://schemas.microsoft.com/office/powerpoint/2010/main" val="4129168076"/>
+      </p:ext>
+    </p:extLst>
+  </p:cSld>
+  <p:clrMapOvr>
+    <a:masterClrMapping/>
+  </p:clrMapOvr>
+</p:sld>
+</file>
+
+<file path=ppt/slides/slide20.xml><?xml version="1.0" encoding="utf-8"?>
+<p:sld xmlns:a="http://schemas.openxmlformats.org/drawingml/2006/main" xmlns:r="http://schemas.openxmlformats.org/officeDocument/2006/relationships" xmlns:p="http://schemas.openxmlformats.org/presentationml/2006/main">
+  <p:cSld>
+    <p:spTree>
+      <p:nvGrpSpPr>
+        <p:cNvPr id="1" name=""/>
+        <p:cNvGrpSpPr/>
+        <p:nvPr/>
+      </p:nvGrpSpPr>
+      <p:grpSpPr>
+        <a:xfrm>
+          <a:off x="0" y="0"/>
+          <a:ext cx="0" cy="0"/>
+          <a:chOff x="0" y="0"/>
+          <a:chExt cx="0" cy="0"/>
+        </a:xfrm>
+      </p:grpSpPr>
+      <p:sp>
+        <p:nvSpPr>
+          <p:cNvPr id="2" name="Title 1">
+            <a:extLst>
+              <a:ext uri="{FF2B5EF4-FFF2-40B4-BE49-F238E27FC236}">
+                <a16:creationId xmlns:a16="http://schemas.microsoft.com/office/drawing/2014/main" id="{D14892DC-F6BB-4821-8B85-9C4AC00B9C0A}"/>
+              </a:ext>
+            </a:extLst>
+          </p:cNvPr>
+          <p:cNvSpPr>
+            <a:spLocks noGrp="1"/>
+          </p:cNvSpPr>
+          <p:nvPr>
+            <p:ph type="title"/>
+          </p:nvPr>
+        </p:nvSpPr>
+        <p:spPr/>
+        <p:txBody>
+          <a:bodyPr/>
+          <a:lstStyle/>
+          <a:p>
+            <a:r>
+              <a:rPr lang="en-GB" dirty="0"/>
+              <a:t>Interested?</a:t>
+            </a:r>
+            <a:endParaRPr lang="en-AU" dirty="0"/>
+          </a:p>
+        </p:txBody>
+      </p:sp>
+      <p:sp>
+        <p:nvSpPr>
+          <p:cNvPr id="3" name="Content Placeholder 2">
+            <a:extLst>
+              <a:ext uri="{FF2B5EF4-FFF2-40B4-BE49-F238E27FC236}">
+                <a16:creationId xmlns:a16="http://schemas.microsoft.com/office/drawing/2014/main" id="{5ED10984-58E5-4039-B507-CE42B5E6E889}"/>
+              </a:ext>
+            </a:extLst>
+          </p:cNvPr>
+          <p:cNvSpPr>
+            <a:spLocks noGrp="1"/>
+          </p:cNvSpPr>
+          <p:nvPr>
+            <p:ph idx="1"/>
+          </p:nvPr>
+        </p:nvSpPr>
+        <p:spPr/>
+        <p:txBody>
+          <a:bodyPr/>
+          <a:lstStyle/>
+          <a:p>
+            <a:r>
+              <a:rPr lang="en-AU" dirty="0"/>
+              <a:t>https://github.com/nikgraf/awesome-draft-js</a:t>
+            </a:r>
+          </a:p>
+        </p:txBody>
+      </p:sp>
+    </p:spTree>
+    <p:extLst>
+      <p:ext uri="{BB962C8B-B14F-4D97-AF65-F5344CB8AC3E}">
+        <p14:creationId xmlns:p14="http://schemas.microsoft.com/office/powerpoint/2010/main" val="1627679785"/>
       </p:ext>
     </p:extLst>
   </p:cSld>
@@ -4526,6 +5022,36 @@
           </a:p>
         </p:txBody>
       </p:sp>
+      <p:pic>
+        <p:nvPicPr>
+          <p:cNvPr id="4" name="Picture 3">
+            <a:extLst>
+              <a:ext uri="{FF2B5EF4-FFF2-40B4-BE49-F238E27FC236}">
+                <a16:creationId xmlns:a16="http://schemas.microsoft.com/office/drawing/2014/main" id="{25410020-4196-46F4-8F04-334C4CC40108}"/>
+              </a:ext>
+            </a:extLst>
+          </p:cNvPr>
+          <p:cNvPicPr>
+            <a:picLocks noChangeAspect="1"/>
+          </p:cNvPicPr>
+          <p:nvPr/>
+        </p:nvPicPr>
+        <p:blipFill>
+          <a:blip r:embed="rId2"/>
+          <a:stretch>
+            <a:fillRect/>
+          </a:stretch>
+        </p:blipFill>
+        <p:spPr>
+          <a:xfrm>
+            <a:off x="5493821" y="4281045"/>
+            <a:ext cx="6010275" cy="2028825"/>
+          </a:xfrm>
+          <a:prstGeom prst="rect">
+            <a:avLst/>
+          </a:prstGeom>
+        </p:spPr>
+      </p:pic>
     </p:spTree>
     <p:extLst>
       <p:ext uri="{BB962C8B-B14F-4D97-AF65-F5344CB8AC3E}">
@@ -4561,6 +5087,106 @@
           <p:cNvPr id="2" name="Title 1">
             <a:extLst>
               <a:ext uri="{FF2B5EF4-FFF2-40B4-BE49-F238E27FC236}">
+                <a16:creationId xmlns:a16="http://schemas.microsoft.com/office/drawing/2014/main" id="{E2939C6C-0AA0-4654-BF95-779B01BB96CD}"/>
+              </a:ext>
+            </a:extLst>
+          </p:cNvPr>
+          <p:cNvSpPr>
+            <a:spLocks noGrp="1"/>
+          </p:cNvSpPr>
+          <p:nvPr>
+            <p:ph type="title"/>
+          </p:nvPr>
+        </p:nvSpPr>
+        <p:spPr/>
+        <p:txBody>
+          <a:bodyPr/>
+          <a:lstStyle/>
+          <a:p>
+            <a:r>
+              <a:rPr lang="en-GB" dirty="0"/>
+              <a:t>Catch</a:t>
+            </a:r>
+            <a:endParaRPr lang="en-AU" dirty="0"/>
+          </a:p>
+        </p:txBody>
+      </p:sp>
+      <p:sp>
+        <p:nvSpPr>
+          <p:cNvPr id="3" name="Content Placeholder 2">
+            <a:extLst>
+              <a:ext uri="{FF2B5EF4-FFF2-40B4-BE49-F238E27FC236}">
+                <a16:creationId xmlns:a16="http://schemas.microsoft.com/office/drawing/2014/main" id="{D5138CDA-7AFC-43DB-B6E9-6868BB2D6772}"/>
+              </a:ext>
+            </a:extLst>
+          </p:cNvPr>
+          <p:cNvSpPr>
+            <a:spLocks noGrp="1"/>
+          </p:cNvSpPr>
+          <p:nvPr>
+            <p:ph idx="1"/>
+          </p:nvPr>
+        </p:nvSpPr>
+        <p:spPr/>
+        <p:txBody>
+          <a:bodyPr/>
+          <a:lstStyle/>
+          <a:p>
+            <a:r>
+              <a:rPr lang="en-GB" dirty="0"/>
+              <a:t>Only works with react</a:t>
+            </a:r>
+          </a:p>
+          <a:p>
+            <a:r>
+              <a:rPr lang="en-GB" dirty="0"/>
+              <a:t>Issues with mobile browsers</a:t>
+            </a:r>
+          </a:p>
+          <a:p>
+            <a:r>
+              <a:rPr lang="en-GB" dirty="0"/>
+              <a:t>Lack of documentation</a:t>
+            </a:r>
+            <a:endParaRPr lang="en-AU" dirty="0"/>
+          </a:p>
+        </p:txBody>
+      </p:sp>
+    </p:spTree>
+    <p:extLst>
+      <p:ext uri="{BB962C8B-B14F-4D97-AF65-F5344CB8AC3E}">
+        <p14:creationId xmlns:p14="http://schemas.microsoft.com/office/powerpoint/2010/main" val="2310032756"/>
+      </p:ext>
+    </p:extLst>
+  </p:cSld>
+  <p:clrMapOvr>
+    <a:masterClrMapping/>
+  </p:clrMapOvr>
+</p:sld>
+</file>
+
+<file path=ppt/slides/slide5.xml><?xml version="1.0" encoding="utf-8"?>
+<p:sld xmlns:a="http://schemas.openxmlformats.org/drawingml/2006/main" xmlns:r="http://schemas.openxmlformats.org/officeDocument/2006/relationships" xmlns:p="http://schemas.openxmlformats.org/presentationml/2006/main">
+  <p:cSld>
+    <p:spTree>
+      <p:nvGrpSpPr>
+        <p:cNvPr id="1" name=""/>
+        <p:cNvGrpSpPr/>
+        <p:nvPr/>
+      </p:nvGrpSpPr>
+      <p:grpSpPr>
+        <a:xfrm>
+          <a:off x="0" y="0"/>
+          <a:ext cx="0" cy="0"/>
+          <a:chOff x="0" y="0"/>
+          <a:chExt cx="0" cy="0"/>
+        </a:xfrm>
+      </p:grpSpPr>
+      <p:sp>
+        <p:nvSpPr>
+          <p:cNvPr id="2" name="Title 1">
+            <a:extLst>
+              <a:ext uri="{FF2B5EF4-FFF2-40B4-BE49-F238E27FC236}">
                 <a16:creationId xmlns:a16="http://schemas.microsoft.com/office/drawing/2014/main" id="{06E22C56-DB85-48AD-89F9-C754B421EED0}"/>
               </a:ext>
             </a:extLst>
@@ -4609,7 +5235,7 @@
               <a:rPr lang="en-AU" dirty="0">
                 <a:hlinkClick r:id="rId2"/>
               </a:rPr>
-              <a:t>https://build-sftaykknun.now.sh/Home</a:t>
+              <a:t>https://draftjs.org/</a:t>
             </a:r>
             <a:endParaRPr lang="en-AU" dirty="0"/>
           </a:p>
@@ -4618,8 +5244,11 @@
               <a:rPr lang="en-AU" dirty="0">
                 <a:hlinkClick r:id="rId3"/>
               </a:rPr>
-              <a:t>https://www.draft-js-plugins.com</a:t>
-            </a:r>
+              <a:t>https://draft-wysiwyg.herokuapp.com/</a:t>
+            </a:r>
+            <a:endParaRPr lang="en-AU" dirty="0"/>
+          </a:p>
+          <a:p>
             <a:endParaRPr lang="en-AU" dirty="0"/>
           </a:p>
           <a:p>
@@ -4627,7 +5256,7 @@
               <a:rPr lang="en-AU" dirty="0">
                 <a:hlinkClick r:id="rId4"/>
               </a:rPr>
-              <a:t>https://draft-wysiwyg.herokuapp.com/</a:t>
+              <a:t>https://www.draft-js-plugins.com</a:t>
             </a:r>
             <a:endParaRPr lang="en-AU" dirty="0"/>
           </a:p>
@@ -4658,7 +5287,7 @@
 </p:sld>
 </file>
 
-<file path=ppt/slides/slide5.xml><?xml version="1.0" encoding="utf-8"?>
+<file path=ppt/slides/slide6.xml><?xml version="1.0" encoding="utf-8"?>
 <p:sld xmlns:a="http://schemas.openxmlformats.org/drawingml/2006/main" xmlns:r="http://schemas.openxmlformats.org/officeDocument/2006/relationships" xmlns:p="http://schemas.openxmlformats.org/presentationml/2006/main">
   <p:cSld>
     <p:spTree>
@@ -4728,10 +5357,7 @@
           </a:p>
           <a:p>
             <a:pPr algn="ctr"/>
-            <a:r>
-              <a:rPr lang="en-AU" dirty="0"/>
-              <a:t>What you see</a:t>
-            </a:r>
+            <a:endParaRPr lang="en-AU" dirty="0"/>
           </a:p>
         </p:txBody>
       </p:sp>
@@ -4849,10 +5475,7 @@
           </a:p>
           <a:p>
             <a:pPr algn="ctr"/>
-            <a:r>
-              <a:rPr lang="en-AU" dirty="0"/>
-              <a:t>Everything</a:t>
-            </a:r>
+            <a:endParaRPr lang="en-AU" dirty="0"/>
           </a:p>
         </p:txBody>
       </p:sp>
@@ -4911,13 +5534,6 @@
             <a:pPr algn="ctr"/>
             <a:endParaRPr lang="en-AU" dirty="0"/>
           </a:p>
-          <a:p>
-            <a:pPr algn="ctr"/>
-            <a:r>
-              <a:rPr lang="en-AU" dirty="0"/>
-              <a:t>Array of text</a:t>
-            </a:r>
-          </a:p>
         </p:txBody>
       </p:sp>
       <p:sp>
@@ -4972,14 +5588,6 @@
           </a:p>
           <a:p>
             <a:pPr algn="ctr"/>
-            <a:r>
-              <a:rPr lang="en-AU" dirty="0"/>
-              <a:t>Text with  </a:t>
-            </a:r>
-            <a:r>
-              <a:rPr lang="en-AU" dirty="0" err="1"/>
-              <a:t>metadat</a:t>
-            </a:r>
             <a:endParaRPr lang="en-AU" dirty="0"/>
           </a:p>
         </p:txBody>
@@ -5193,158 +5801,6 @@
 </p:sld>
 </file>
 
-<file path=ppt/slides/slide6.xml><?xml version="1.0" encoding="utf-8"?>
-<p:sld xmlns:a="http://schemas.openxmlformats.org/drawingml/2006/main" xmlns:r="http://schemas.openxmlformats.org/officeDocument/2006/relationships" xmlns:p="http://schemas.openxmlformats.org/presentationml/2006/main">
-  <p:cSld>
-    <p:spTree>
-      <p:nvGrpSpPr>
-        <p:cNvPr id="1" name=""/>
-        <p:cNvGrpSpPr/>
-        <p:nvPr/>
-      </p:nvGrpSpPr>
-      <p:grpSpPr>
-        <a:xfrm>
-          <a:off x="0" y="0"/>
-          <a:ext cx="0" cy="0"/>
-          <a:chOff x="0" y="0"/>
-          <a:chExt cx="0" cy="0"/>
-        </a:xfrm>
-      </p:grpSpPr>
-      <p:sp>
-        <p:nvSpPr>
-          <p:cNvPr id="2" name="Title 1">
-            <a:extLst>
-              <a:ext uri="{FF2B5EF4-FFF2-40B4-BE49-F238E27FC236}">
-                <a16:creationId xmlns:a16="http://schemas.microsoft.com/office/drawing/2014/main" id="{7729F6E9-A11B-4534-A5AB-DF2EF7402DFD}"/>
-              </a:ext>
-            </a:extLst>
-          </p:cNvPr>
-          <p:cNvSpPr>
-            <a:spLocks noGrp="1"/>
-          </p:cNvSpPr>
-          <p:nvPr>
-            <p:ph type="title"/>
-          </p:nvPr>
-        </p:nvSpPr>
-        <p:spPr/>
-        <p:txBody>
-          <a:bodyPr/>
-          <a:lstStyle/>
-          <a:p>
-            <a:r>
-              <a:rPr lang="en-AU" dirty="0"/>
-              <a:t>Editor Props</a:t>
-            </a:r>
-          </a:p>
-        </p:txBody>
-      </p:sp>
-      <p:sp>
-        <p:nvSpPr>
-          <p:cNvPr id="3" name="Content Placeholder 2">
-            <a:extLst>
-              <a:ext uri="{FF2B5EF4-FFF2-40B4-BE49-F238E27FC236}">
-                <a16:creationId xmlns:a16="http://schemas.microsoft.com/office/drawing/2014/main" id="{F8F2711C-7050-43AC-8009-4A87E39673D0}"/>
-              </a:ext>
-            </a:extLst>
-          </p:cNvPr>
-          <p:cNvSpPr>
-            <a:spLocks noGrp="1"/>
-          </p:cNvSpPr>
-          <p:nvPr>
-            <p:ph idx="1"/>
-          </p:nvPr>
-        </p:nvSpPr>
-        <p:spPr/>
-        <p:txBody>
-          <a:bodyPr>
-            <a:normAutofit/>
-          </a:bodyPr>
-          <a:lstStyle/>
-          <a:p>
-            <a:r>
-              <a:rPr lang="en-AU" sz="3600" dirty="0" err="1"/>
-              <a:t>blockRenderMap</a:t>
-            </a:r>
-            <a:r>
-              <a:rPr lang="en-AU" sz="3600" dirty="0"/>
-              <a:t> (block type &gt; html tag)</a:t>
-            </a:r>
-          </a:p>
-          <a:p>
-            <a:r>
-              <a:rPr lang="en-AU" sz="3600" dirty="0" err="1"/>
-              <a:t>blockRendererFn</a:t>
-            </a:r>
-            <a:r>
-              <a:rPr lang="en-AU" sz="3600" dirty="0"/>
-              <a:t> (render custom block: emoji, </a:t>
-            </a:r>
-            <a:r>
-              <a:rPr lang="en-AU" sz="3600" dirty="0" err="1"/>
-              <a:t>tex</a:t>
-            </a:r>
-            <a:r>
-              <a:rPr lang="en-AU" sz="3600" dirty="0"/>
-              <a:t>, </a:t>
-            </a:r>
-            <a:r>
-              <a:rPr lang="en-AU" sz="3600" dirty="0" err="1"/>
-              <a:t>youtube</a:t>
-            </a:r>
-            <a:r>
-              <a:rPr lang="en-AU" sz="3600" dirty="0"/>
-              <a:t>)</a:t>
-            </a:r>
-          </a:p>
-          <a:p>
-            <a:r>
-              <a:rPr lang="en-AU" sz="3600" dirty="0" err="1"/>
-              <a:t>blockStyleFn</a:t>
-            </a:r>
-            <a:r>
-              <a:rPr lang="en-AU" sz="3600" dirty="0"/>
-              <a:t> (apply </a:t>
-            </a:r>
-            <a:r>
-              <a:rPr lang="en-AU" sz="3600" dirty="0" err="1"/>
-              <a:t>className</a:t>
-            </a:r>
-            <a:r>
-              <a:rPr lang="en-AU" sz="3600" dirty="0"/>
-              <a:t> to a block)</a:t>
-            </a:r>
-          </a:p>
-          <a:p>
-            <a:r>
-              <a:rPr lang="en-AU" sz="3600" dirty="0"/>
-              <a:t>Decorators (wrap text with a Component)</a:t>
-            </a:r>
-          </a:p>
-          <a:p>
-            <a:r>
-              <a:rPr lang="en-AU" sz="3600" dirty="0" err="1"/>
-              <a:t>customStyleMap</a:t>
-            </a:r>
-            <a:r>
-              <a:rPr lang="en-AU" sz="3600" dirty="0"/>
-              <a:t> (type &gt; style</a:t>
-            </a:r>
-          </a:p>
-        </p:txBody>
-      </p:sp>
-    </p:spTree>
-    <p:extLst>
-      <p:ext uri="{BB962C8B-B14F-4D97-AF65-F5344CB8AC3E}">
-        <p14:creationId xmlns:p14="http://schemas.microsoft.com/office/powerpoint/2010/main" val="707249671"/>
-      </p:ext>
-    </p:extLst>
-  </p:cSld>
-  <p:clrMapOvr>
-    <a:masterClrMapping/>
-  </p:clrMapOvr>
-</p:sld>
-</file>
-
 <file path=ppt/slides/slide7.xml><?xml version="1.0" encoding="utf-8"?>
 <p:sld xmlns:a="http://schemas.openxmlformats.org/drawingml/2006/main" xmlns:r="http://schemas.openxmlformats.org/officeDocument/2006/relationships" xmlns:p="http://schemas.openxmlformats.org/presentationml/2006/main">
   <p:cSld>
@@ -5367,7 +5823,7 @@
           <p:cNvPr id="2" name="Title 1">
             <a:extLst>
               <a:ext uri="{FF2B5EF4-FFF2-40B4-BE49-F238E27FC236}">
-                <a16:creationId xmlns:a16="http://schemas.microsoft.com/office/drawing/2014/main" id="{B5921301-B551-41C2-BB0D-4F43A24D5E51}"/>
+                <a16:creationId xmlns:a16="http://schemas.microsoft.com/office/drawing/2014/main" id="{74D0C4E0-CC56-44AF-9B01-AE60AFFCC36E}"/>
               </a:ext>
             </a:extLst>
           </p:cNvPr>
@@ -5385,7 +5841,7 @@
           <a:p>
             <a:r>
               <a:rPr lang="en-AU" dirty="0"/>
-              <a:t>Basic</a:t>
+              <a:t>Editor State</a:t>
             </a:r>
           </a:p>
         </p:txBody>
@@ -5395,7 +5851,7 @@
           <p:cNvPr id="3" name="Content Placeholder 2">
             <a:extLst>
               <a:ext uri="{FF2B5EF4-FFF2-40B4-BE49-F238E27FC236}">
-                <a16:creationId xmlns:a16="http://schemas.microsoft.com/office/drawing/2014/main" id="{77BEF969-3C34-4D11-A3A3-C5B728FA452F}"/>
+                <a16:creationId xmlns:a16="http://schemas.microsoft.com/office/drawing/2014/main" id="{4D260FF9-D197-4FB6-8E3C-AE9CFC789A2E}"/>
               </a:ext>
             </a:extLst>
           </p:cNvPr>
@@ -5413,40 +5869,7 @@
           <a:p>
             <a:r>
               <a:rPr lang="en-AU" dirty="0"/>
-              <a:t>See code</a:t>
-            </a:r>
-          </a:p>
-          <a:p>
-            <a:endParaRPr lang="en-AU" dirty="0"/>
-          </a:p>
-          <a:p>
-            <a:r>
-              <a:rPr lang="en-AU" dirty="0"/>
-              <a:t>Controlled component</a:t>
-            </a:r>
-          </a:p>
-          <a:p>
-            <a:r>
-              <a:rPr lang="en-AU" dirty="0"/>
-              <a:t>No text</a:t>
-            </a:r>
-          </a:p>
-          <a:p>
-            <a:r>
-              <a:rPr lang="en-AU" dirty="0"/>
-              <a:t>Log</a:t>
-            </a:r>
-          </a:p>
-          <a:p>
-            <a:r>
-              <a:rPr lang="en-AU" dirty="0"/>
-              <a:t>How to set/get the content state</a:t>
-            </a:r>
-          </a:p>
-          <a:p>
-            <a:r>
-              <a:rPr lang="en-AU" dirty="0"/>
-              <a:t>Create non empty content</a:t>
+              <a:t>React Controlled Component and Inputs</a:t>
             </a:r>
           </a:p>
           <a:p>
@@ -5457,7 +5880,7 @@
     </p:spTree>
     <p:extLst>
       <p:ext uri="{BB962C8B-B14F-4D97-AF65-F5344CB8AC3E}">
-        <p14:creationId xmlns:p14="http://schemas.microsoft.com/office/powerpoint/2010/main" val="266037774"/>
+        <p14:creationId xmlns:p14="http://schemas.microsoft.com/office/powerpoint/2010/main" val="3908930019"/>
       </p:ext>
     </p:extLst>
   </p:cSld>
@@ -5489,7 +5912,7 @@
           <p:cNvPr id="2" name="Title 1">
             <a:extLst>
               <a:ext uri="{FF2B5EF4-FFF2-40B4-BE49-F238E27FC236}">
-                <a16:creationId xmlns:a16="http://schemas.microsoft.com/office/drawing/2014/main" id="{8999E700-6D66-4371-8BDA-911ED59B555E}"/>
+                <a16:creationId xmlns:a16="http://schemas.microsoft.com/office/drawing/2014/main" id="{B5921301-B551-41C2-BB0D-4F43A24D5E51}"/>
               </a:ext>
             </a:extLst>
           </p:cNvPr>
@@ -5507,7 +5930,7 @@
           <a:p>
             <a:r>
               <a:rPr lang="en-AU" dirty="0"/>
-              <a:t>Entities and custom block components</a:t>
+              <a:t>Basic</a:t>
             </a:r>
           </a:p>
         </p:txBody>
@@ -5517,7 +5940,7 @@
           <p:cNvPr id="3" name="Content Placeholder 2">
             <a:extLst>
               <a:ext uri="{FF2B5EF4-FFF2-40B4-BE49-F238E27FC236}">
-                <a16:creationId xmlns:a16="http://schemas.microsoft.com/office/drawing/2014/main" id="{1EDDAE24-2DFC-41AE-B64E-5130A703127A}"/>
+                <a16:creationId xmlns:a16="http://schemas.microsoft.com/office/drawing/2014/main" id="{77BEF969-3C34-4D11-A3A3-C5B728FA452F}"/>
               </a:ext>
             </a:extLst>
           </p:cNvPr>
@@ -5530,59 +5953,43 @@
         </p:nvSpPr>
         <p:spPr/>
         <p:txBody>
-          <a:bodyPr>
-            <a:normAutofit/>
-          </a:bodyPr>
-          <a:lstStyle/>
+          <a:bodyPr/>
+          <a:lstStyle/>
+          <a:p>
+            <a:pPr marL="0" indent="0">
+              <a:buNone/>
+            </a:pPr>
+            <a:endParaRPr lang="en-AU" dirty="0"/>
+          </a:p>
           <a:p>
             <a:r>
               <a:rPr lang="en-AU" dirty="0"/>
-              <a:t>Annotating text ranges with metadata </a:t>
+              <a:t>Controlled component</a:t>
             </a:r>
           </a:p>
           <a:p>
             <a:r>
               <a:rPr lang="en-AU" dirty="0"/>
-              <a:t>Rich Text Editing</a:t>
+              <a:t>No text</a:t>
             </a:r>
           </a:p>
           <a:p>
             <a:r>
               <a:rPr lang="en-AU" dirty="0"/>
-              <a:t>Autocomplete for Authors, Hashtags, Commands (Slack)</a:t>
+              <a:t>Log</a:t>
             </a:r>
           </a:p>
           <a:p>
             <a:r>
               <a:rPr lang="en-AU" dirty="0"/>
-              <a:t>Emoji Rendering</a:t>
+              <a:t>How to set/get the content state</a:t>
             </a:r>
           </a:p>
           <a:p>
             <a:r>
               <a:rPr lang="en-AU" dirty="0"/>
-              <a:t>Image Repositioning with Drag &amp; Drop</a:t>
-            </a:r>
-          </a:p>
-          <a:p>
-            <a:r>
-              <a:rPr lang="en-AU" dirty="0"/>
-              <a:t>Image Upload via File Drop</a:t>
-            </a:r>
-          </a:p>
-          <a:p>
-            <a:r>
-              <a:rPr lang="en-GB" dirty="0"/>
-              <a:t>Rich Media</a:t>
-            </a:r>
-            <a:endParaRPr lang="en-AU" dirty="0"/>
-          </a:p>
-          <a:p>
-            <a:r>
-              <a:rPr lang="en-GB" dirty="0"/>
-              <a:t>Regex styling</a:t>
-            </a:r>
-            <a:endParaRPr lang="en-AU" dirty="0"/>
+              <a:t>Create non empty content</a:t>
+            </a:r>
           </a:p>
           <a:p>
             <a:endParaRPr lang="en-AU" dirty="0"/>
@@ -5592,7 +5999,7 @@
     </p:spTree>
     <p:extLst>
       <p:ext uri="{BB962C8B-B14F-4D97-AF65-F5344CB8AC3E}">
-        <p14:creationId xmlns:p14="http://schemas.microsoft.com/office/powerpoint/2010/main" val="2566830597"/>
+        <p14:creationId xmlns:p14="http://schemas.microsoft.com/office/powerpoint/2010/main" val="266037774"/>
       </p:ext>
     </p:extLst>
   </p:cSld>
@@ -5624,7 +6031,7 @@
           <p:cNvPr id="2" name="Title 1">
             <a:extLst>
               <a:ext uri="{FF2B5EF4-FFF2-40B4-BE49-F238E27FC236}">
-                <a16:creationId xmlns:a16="http://schemas.microsoft.com/office/drawing/2014/main" id="{E2939C6C-0AA0-4654-BF95-779B01BB96CD}"/>
+                <a16:creationId xmlns:a16="http://schemas.microsoft.com/office/drawing/2014/main" id="{B378CCC0-F04D-4DC1-9CB2-30C37CD33371}"/>
               </a:ext>
             </a:extLst>
           </p:cNvPr>
@@ -5641,10 +6048,9 @@
           <a:lstStyle/>
           <a:p>
             <a:r>
-              <a:rPr lang="en-GB" dirty="0"/>
-              <a:t>Catch</a:t>
-            </a:r>
-            <a:endParaRPr lang="en-AU" dirty="0"/>
+              <a:rPr lang="en-AU" dirty="0"/>
+              <a:t>Content State</a:t>
+            </a:r>
           </a:p>
         </p:txBody>
       </p:sp>
@@ -5653,7 +6059,7 @@
           <p:cNvPr id="3" name="Content Placeholder 2">
             <a:extLst>
               <a:ext uri="{FF2B5EF4-FFF2-40B4-BE49-F238E27FC236}">
-                <a16:creationId xmlns:a16="http://schemas.microsoft.com/office/drawing/2014/main" id="{D5138CDA-7AFC-43DB-B6E9-6868BB2D6772}"/>
+                <a16:creationId xmlns:a16="http://schemas.microsoft.com/office/drawing/2014/main" id="{74698C7E-D3FA-4F2F-B416-0ADD8656AD42}"/>
               </a:ext>
             </a:extLst>
           </p:cNvPr>
@@ -5669,22 +6075,27 @@
           <a:bodyPr/>
           <a:lstStyle/>
           <a:p>
-            <a:r>
-              <a:rPr lang="en-GB" dirty="0"/>
-              <a:t>Only works with react</a:t>
-            </a:r>
-          </a:p>
-          <a:p>
-            <a:r>
-              <a:rPr lang="en-GB" dirty="0"/>
-              <a:t>Issues with mobile browsers</a:t>
-            </a:r>
-          </a:p>
-          <a:p>
-            <a:r>
-              <a:rPr lang="en-GB" dirty="0"/>
-              <a:t>Lack of documentation</a:t>
-            </a:r>
+            <a:pPr lvl="0"/>
+            <a:r>
+              <a:rPr lang="en-AU" dirty="0"/>
+              <a:t>Text in an array of blocks</a:t>
+            </a:r>
+          </a:p>
+          <a:p>
+            <a:pPr lvl="0"/>
+            <a:r>
+              <a:rPr lang="en-AU" dirty="0"/>
+              <a:t>Entities (metadata that accompanies text) </a:t>
+            </a:r>
+          </a:p>
+          <a:p>
+            <a:pPr lvl="0"/>
+            <a:r>
+              <a:rPr lang="en-AU" dirty="0"/>
+              <a:t>Immutable – we never change.. </a:t>
+            </a:r>
+          </a:p>
+          <a:p>
             <a:endParaRPr lang="en-AU" dirty="0"/>
           </a:p>
         </p:txBody>
@@ -5692,7 +6103,7 @@
     </p:spTree>
     <p:extLst>
       <p:ext uri="{BB962C8B-B14F-4D97-AF65-F5344CB8AC3E}">
-        <p14:creationId xmlns:p14="http://schemas.microsoft.com/office/powerpoint/2010/main" val="2310032756"/>
+        <p14:creationId xmlns:p14="http://schemas.microsoft.com/office/powerpoint/2010/main" val="1428920562"/>
       </p:ext>
     </p:extLst>
   </p:cSld>
